--- a/Project.pptx
+++ b/Project.pptx
@@ -108,6 +108,11 @@
       </a:defRPr>
     </a:lvl9pPr>
   </p:defaultTextStyle>
+  <p:extLst>
+    <p:ext uri="{EFAFB233-063F-42B5-8137-9DF3F51BA10A}">
+      <p15:sldGuideLst xmlns:p15="http://schemas.microsoft.com/office/powerpoint/2012/main"/>
+    </p:ext>
+  </p:extLst>
 </p:presentation>
 </file>
 
@@ -250,7 +255,7 @@
           <a:p>
             <a:fld id="{3033596C-D5B9-4181-B150-839B01D13DDD}" type="datetimeFigureOut">
               <a:rPr lang="hu-HU" smtClean="0"/>
-              <a:t>2024. 11. 05.</a:t>
+              <a:t>2024. 11. 06.</a:t>
             </a:fld>
             <a:endParaRPr lang="hu-HU"/>
           </a:p>
@@ -461,7 +466,7 @@
           <a:p>
             <a:fld id="{3033596C-D5B9-4181-B150-839B01D13DDD}" type="datetimeFigureOut">
               <a:rPr lang="hu-HU" smtClean="0"/>
-              <a:t>2024. 11. 05.</a:t>
+              <a:t>2024. 11. 06.</a:t>
             </a:fld>
             <a:endParaRPr lang="hu-HU"/>
           </a:p>
@@ -676,7 +681,7 @@
           <a:p>
             <a:fld id="{3033596C-D5B9-4181-B150-839B01D13DDD}" type="datetimeFigureOut">
               <a:rPr lang="hu-HU" smtClean="0"/>
-              <a:t>2024. 11. 05.</a:t>
+              <a:t>2024. 11. 06.</a:t>
             </a:fld>
             <a:endParaRPr lang="hu-HU"/>
           </a:p>
@@ -877,7 +882,7 @@
           <a:p>
             <a:fld id="{3033596C-D5B9-4181-B150-839B01D13DDD}" type="datetimeFigureOut">
               <a:rPr lang="hu-HU" smtClean="0"/>
-              <a:t>2024. 11. 05.</a:t>
+              <a:t>2024. 11. 06.</a:t>
             </a:fld>
             <a:endParaRPr lang="hu-HU"/>
           </a:p>
@@ -1156,7 +1161,7 @@
           <a:p>
             <a:fld id="{3033596C-D5B9-4181-B150-839B01D13DDD}" type="datetimeFigureOut">
               <a:rPr lang="hu-HU" smtClean="0"/>
-              <a:t>2024. 11. 05.</a:t>
+              <a:t>2024. 11. 06.</a:t>
             </a:fld>
             <a:endParaRPr lang="hu-HU"/>
           </a:p>
@@ -1424,7 +1429,7 @@
           <a:p>
             <a:fld id="{3033596C-D5B9-4181-B150-839B01D13DDD}" type="datetimeFigureOut">
               <a:rPr lang="hu-HU" smtClean="0"/>
-              <a:t>2024. 11. 05.</a:t>
+              <a:t>2024. 11. 06.</a:t>
             </a:fld>
             <a:endParaRPr lang="hu-HU"/>
           </a:p>
@@ -1840,7 +1845,7 @@
           <a:p>
             <a:fld id="{3033596C-D5B9-4181-B150-839B01D13DDD}" type="datetimeFigureOut">
               <a:rPr lang="hu-HU" smtClean="0"/>
-              <a:t>2024. 11. 05.</a:t>
+              <a:t>2024. 11. 06.</a:t>
             </a:fld>
             <a:endParaRPr lang="hu-HU"/>
           </a:p>
@@ -1989,7 +1994,7 @@
           <a:p>
             <a:fld id="{3033596C-D5B9-4181-B150-839B01D13DDD}" type="datetimeFigureOut">
               <a:rPr lang="hu-HU" smtClean="0"/>
-              <a:t>2024. 11. 05.</a:t>
+              <a:t>2024. 11. 06.</a:t>
             </a:fld>
             <a:endParaRPr lang="hu-HU"/>
           </a:p>
@@ -2115,7 +2120,7 @@
           <a:p>
             <a:fld id="{3033596C-D5B9-4181-B150-839B01D13DDD}" type="datetimeFigureOut">
               <a:rPr lang="hu-HU" smtClean="0"/>
-              <a:t>2024. 11. 05.</a:t>
+              <a:t>2024. 11. 06.</a:t>
             </a:fld>
             <a:endParaRPr lang="hu-HU"/>
           </a:p>
@@ -2366,7 +2371,7 @@
           <a:p>
             <a:fld id="{3033596C-D5B9-4181-B150-839B01D13DDD}" type="datetimeFigureOut">
               <a:rPr lang="hu-HU" smtClean="0"/>
-              <a:t>2024. 11. 05.</a:t>
+              <a:t>2024. 11. 06.</a:t>
             </a:fld>
             <a:endParaRPr lang="hu-HU"/>
           </a:p>
@@ -2811,7 +2816,7 @@
           <a:p>
             <a:fld id="{3033596C-D5B9-4181-B150-839B01D13DDD}" type="datetimeFigureOut">
               <a:rPr lang="hu-HU" smtClean="0"/>
-              <a:t>2024. 11. 05.</a:t>
+              <a:t>2024. 11. 06.</a:t>
             </a:fld>
             <a:endParaRPr lang="hu-HU"/>
           </a:p>
@@ -3137,7 +3142,7 @@
           <a:p>
             <a:fld id="{3033596C-D5B9-4181-B150-839B01D13DDD}" type="datetimeFigureOut">
               <a:rPr lang="hu-HU" smtClean="0"/>
-              <a:t>2024. 11. 05.</a:t>
+              <a:t>2024. 11. 06.</a:t>
             </a:fld>
             <a:endParaRPr lang="hu-HU"/>
           </a:p>
@@ -3892,7 +3897,7 @@
           <a:p>
             <a:r>
               <a:rPr lang="hu-HU" sz="1600" b="1" i="1" dirty="0"/>
-              <a:t>Süli Szilveszter</a:t>
+              <a:t>Süli Szilveszter: HTML főoldal elkészítése, Szöveg keresés/formázás, fogalmazás.</a:t>
             </a:r>
           </a:p>
           <a:p>
@@ -3905,7 +3910,23 @@
             </a:r>
             <a:r>
               <a:rPr lang="hu-HU" sz="1600" b="1" i="1" dirty="0"/>
-              <a:t> Márk</a:t>
+              <a:t> Márk: </a:t>
+            </a:r>
+            <a:r>
+              <a:rPr lang="hu-HU" sz="1600" b="1" i="1" dirty="0" err="1"/>
+              <a:t>Javascript</a:t>
+            </a:r>
+            <a:r>
+              <a:rPr lang="hu-HU" sz="1600" b="1" i="1" dirty="0"/>
+              <a:t>, Kiegészíteni </a:t>
+            </a:r>
+            <a:r>
+              <a:rPr lang="hu-HU" sz="1600" b="1" i="1" dirty="0" err="1"/>
+              <a:t>bootstrappel</a:t>
+            </a:r>
+            <a:r>
+              <a:rPr lang="hu-HU" sz="1600" b="1" i="1" dirty="0"/>
+              <a:t> a főoldalt, MYSQL</a:t>
             </a:r>
           </a:p>
           <a:p>
@@ -3922,8 +3943,13 @@
             </a:r>
             <a:r>
               <a:rPr lang="hu-HU" sz="1600" b="1" i="1" dirty="0"/>
-              <a:t>)</a:t>
-            </a:r>
+              <a:t>): Képek, barátságos stílusok keresése, </a:t>
+            </a:r>
+            <a:r>
+              <a:rPr lang="hu-HU" sz="1600" b="1" i="1"/>
+              <a:t>CSS elkészítése.</a:t>
+            </a:r>
+            <a:endParaRPr lang="hu-HU" sz="1600" b="1" i="1" dirty="0"/>
           </a:p>
         </p:txBody>
       </p:sp>
